--- a/Proekt_Equalizer.pptx
+++ b/Proekt_Equalizer.pptx
@@ -542,7 +542,7 @@
           <a:p>
             <a:fld id="{02929F73-E6D3-41CF-A661-ED27D15032B8}" type="datetimeFigureOut">
               <a:rPr lang="ru-RU" smtClean="0"/>
-              <a:t>23.12.2020</a:t>
+              <a:t>24.12.2020</a:t>
             </a:fld>
             <a:endParaRPr lang="ru-RU"/>
           </a:p>
@@ -876,7 +876,7 @@
           <a:p>
             <a:fld id="{02929F73-E6D3-41CF-A661-ED27D15032B8}" type="datetimeFigureOut">
               <a:rPr lang="ru-RU" smtClean="0"/>
-              <a:t>23.12.2020</a:t>
+              <a:t>24.12.2020</a:t>
             </a:fld>
             <a:endParaRPr lang="ru-RU"/>
           </a:p>
@@ -1266,7 +1266,7 @@
           <a:p>
             <a:fld id="{02929F73-E6D3-41CF-A661-ED27D15032B8}" type="datetimeFigureOut">
               <a:rPr lang="ru-RU" smtClean="0"/>
-              <a:t>23.12.2020</a:t>
+              <a:t>24.12.2020</a:t>
             </a:fld>
             <a:endParaRPr lang="ru-RU"/>
           </a:p>
@@ -1702,7 +1702,7 @@
           <a:p>
             <a:fld id="{02929F73-E6D3-41CF-A661-ED27D15032B8}" type="datetimeFigureOut">
               <a:rPr lang="ru-RU" smtClean="0"/>
-              <a:t>23.12.2020</a:t>
+              <a:t>24.12.2020</a:t>
             </a:fld>
             <a:endParaRPr lang="ru-RU"/>
           </a:p>
@@ -2135,7 +2135,7 @@
           <a:p>
             <a:fld id="{02929F73-E6D3-41CF-A661-ED27D15032B8}" type="datetimeFigureOut">
               <a:rPr lang="ru-RU" smtClean="0"/>
-              <a:t>23.12.2020</a:t>
+              <a:t>24.12.2020</a:t>
             </a:fld>
             <a:endParaRPr lang="ru-RU"/>
           </a:p>
@@ -2619,7 +2619,7 @@
           <a:p>
             <a:fld id="{02929F73-E6D3-41CF-A661-ED27D15032B8}" type="datetimeFigureOut">
               <a:rPr lang="ru-RU" smtClean="0"/>
-              <a:t>23.12.2020</a:t>
+              <a:t>24.12.2020</a:t>
             </a:fld>
             <a:endParaRPr lang="ru-RU"/>
           </a:p>
@@ -3205,7 +3205,7 @@
           <a:p>
             <a:fld id="{02929F73-E6D3-41CF-A661-ED27D15032B8}" type="datetimeFigureOut">
               <a:rPr lang="ru-RU" smtClean="0"/>
-              <a:t>23.12.2020</a:t>
+              <a:t>24.12.2020</a:t>
             </a:fld>
             <a:endParaRPr lang="ru-RU"/>
           </a:p>
@@ -3533,7 +3533,7 @@
           <a:p>
             <a:fld id="{02929F73-E6D3-41CF-A661-ED27D15032B8}" type="datetimeFigureOut">
               <a:rPr lang="ru-RU" smtClean="0"/>
-              <a:t>23.12.2020</a:t>
+              <a:t>24.12.2020</a:t>
             </a:fld>
             <a:endParaRPr lang="ru-RU"/>
           </a:p>
@@ -3782,7 +3782,7 @@
           <a:p>
             <a:fld id="{02929F73-E6D3-41CF-A661-ED27D15032B8}" type="datetimeFigureOut">
               <a:rPr lang="ru-RU" smtClean="0"/>
-              <a:t>23.12.2020</a:t>
+              <a:t>24.12.2020</a:t>
             </a:fld>
             <a:endParaRPr lang="ru-RU"/>
           </a:p>
@@ -4286,7 +4286,7 @@
           <a:p>
             <a:fld id="{02929F73-E6D3-41CF-A661-ED27D15032B8}" type="datetimeFigureOut">
               <a:rPr lang="ru-RU" smtClean="0"/>
-              <a:t>23.12.2020</a:t>
+              <a:t>24.12.2020</a:t>
             </a:fld>
             <a:endParaRPr lang="ru-RU"/>
           </a:p>
@@ -4737,7 +4737,7 @@
           <a:p>
             <a:fld id="{02929F73-E6D3-41CF-A661-ED27D15032B8}" type="datetimeFigureOut">
               <a:rPr lang="ru-RU" smtClean="0"/>
-              <a:t>23.12.2020</a:t>
+              <a:t>24.12.2020</a:t>
             </a:fld>
             <a:endParaRPr lang="ru-RU"/>
           </a:p>
@@ -5139,7 +5139,7 @@
           <a:p>
             <a:fld id="{02929F73-E6D3-41CF-A661-ED27D15032B8}" type="datetimeFigureOut">
               <a:rPr lang="ru-RU" smtClean="0"/>
-              <a:t>23.12.2020</a:t>
+              <a:t>24.12.2020</a:t>
             </a:fld>
             <a:endParaRPr lang="ru-RU"/>
           </a:p>
@@ -5975,90 +5975,77 @@
           <a:p>
             <a:r>
               <a:rPr lang="ru-RU" dirty="0">
-                <a:latin typeface="Times New Roman" panose="02020603050405020304" pitchFamily="18" charset="0"/>
                 <a:cs typeface="Times New Roman" panose="02020603050405020304" pitchFamily="18" charset="0"/>
               </a:rPr>
               <a:t>При подключении </a:t>
             </a:r>
             <a:r>
               <a:rPr lang="en-US" dirty="0">
-                <a:latin typeface="Times New Roman" panose="02020603050405020304" pitchFamily="18" charset="0"/>
                 <a:cs typeface="Times New Roman" panose="02020603050405020304" pitchFamily="18" charset="0"/>
               </a:rPr>
               <a:t>Arduino </a:t>
             </a:r>
             <a:r>
               <a:rPr lang="ru-RU" dirty="0">
-                <a:latin typeface="Times New Roman" panose="02020603050405020304" pitchFamily="18" charset="0"/>
                 <a:cs typeface="Times New Roman" panose="02020603050405020304" pitchFamily="18" charset="0"/>
               </a:rPr>
               <a:t>к питанию, высвечивается меню, состоящее из двух пунктов «</a:t>
             </a:r>
             <a:r>
               <a:rPr lang="en-US" dirty="0">
-                <a:latin typeface="Times New Roman" panose="02020603050405020304" pitchFamily="18" charset="0"/>
                 <a:cs typeface="Times New Roman" panose="02020603050405020304" pitchFamily="18" charset="0"/>
               </a:rPr>
               <a:t>Start</a:t>
             </a:r>
             <a:r>
               <a:rPr lang="ru-RU" dirty="0">
-                <a:latin typeface="Times New Roman" panose="02020603050405020304" pitchFamily="18" charset="0"/>
                 <a:cs typeface="Times New Roman" panose="02020603050405020304" pitchFamily="18" charset="0"/>
               </a:rPr>
               <a:t>»</a:t>
             </a:r>
             <a:r>
               <a:rPr lang="en-US" dirty="0">
-                <a:latin typeface="Times New Roman" panose="02020603050405020304" pitchFamily="18" charset="0"/>
                 <a:cs typeface="Times New Roman" panose="02020603050405020304" pitchFamily="18" charset="0"/>
               </a:rPr>
               <a:t> </a:t>
             </a:r>
             <a:r>
               <a:rPr lang="ru-RU" dirty="0">
-                <a:latin typeface="Times New Roman" panose="02020603050405020304" pitchFamily="18" charset="0"/>
                 <a:cs typeface="Times New Roman" panose="02020603050405020304" pitchFamily="18" charset="0"/>
               </a:rPr>
               <a:t>и «</a:t>
             </a:r>
             <a:r>
               <a:rPr lang="en-US" dirty="0">
-                <a:latin typeface="Times New Roman" panose="02020603050405020304" pitchFamily="18" charset="0"/>
                 <a:cs typeface="Times New Roman" panose="02020603050405020304" pitchFamily="18" charset="0"/>
               </a:rPr>
               <a:t>Settings</a:t>
             </a:r>
             <a:r>
               <a:rPr lang="ru-RU" dirty="0">
-                <a:latin typeface="Times New Roman" panose="02020603050405020304" pitchFamily="18" charset="0"/>
                 <a:cs typeface="Times New Roman" panose="02020603050405020304" pitchFamily="18" charset="0"/>
               </a:rPr>
               <a:t>», перемещаться по меню вверх и вниз можно с помощью кнопок черных кнопок </a:t>
             </a:r>
             <a:r>
               <a:rPr lang="en-US" dirty="0">
-                <a:latin typeface="Times New Roman" panose="02020603050405020304" pitchFamily="18" charset="0"/>
                 <a:cs typeface="Times New Roman" panose="02020603050405020304" pitchFamily="18" charset="0"/>
               </a:rPr>
               <a:t>A </a:t>
             </a:r>
             <a:r>
               <a:rPr lang="ru-RU" dirty="0">
-                <a:latin typeface="Times New Roman" panose="02020603050405020304" pitchFamily="18" charset="0"/>
                 <a:cs typeface="Times New Roman" panose="02020603050405020304" pitchFamily="18" charset="0"/>
               </a:rPr>
               <a:t>и С соответственно</a:t>
             </a:r>
             <a:r>
               <a:rPr lang="en-US" dirty="0">
-                <a:latin typeface="Times New Roman" panose="02020603050405020304" pitchFamily="18" charset="0"/>
                 <a:cs typeface="Times New Roman" panose="02020603050405020304" pitchFamily="18" charset="0"/>
               </a:rPr>
               <a:t>.</a:t>
             </a:r>
             <a:endParaRPr lang="ru-RU" dirty="0">
-              <a:latin typeface="Times New Roman" panose="02020603050405020304" pitchFamily="18" charset="0"/>
               <a:cs typeface="Times New Roman" panose="02020603050405020304" pitchFamily="18" charset="0"/>
             </a:endParaRPr>
           </a:p>
@@ -7024,7 +7011,7 @@
             </a:pPr>
             <a:r>
               <a:rPr lang="en" dirty="0">
-                <a:latin typeface="Times New Roman" panose="02020603050405020304" pitchFamily="18" charset="0"/>
+                <a:latin typeface="+mj-lt"/>
                 <a:ea typeface="Arial"/>
                 <a:cs typeface="Times New Roman" panose="02020603050405020304" pitchFamily="18" charset="0"/>
                 <a:sym typeface="Arial"/>
@@ -7040,7 +7027,7 @@
             </a:pPr>
             <a:r>
               <a:rPr lang="en" dirty="0">
-                <a:latin typeface="Times New Roman" panose="02020603050405020304" pitchFamily="18" charset="0"/>
+                <a:latin typeface="+mj-lt"/>
                 <a:ea typeface="Arial"/>
                 <a:cs typeface="Times New Roman" panose="02020603050405020304" pitchFamily="18" charset="0"/>
                 <a:sym typeface="Arial"/>
@@ -7056,7 +7043,7 @@
             </a:pPr>
             <a:r>
               <a:rPr lang="en" dirty="0">
-                <a:latin typeface="Times New Roman" panose="02020603050405020304" pitchFamily="18" charset="0"/>
+                <a:latin typeface="+mj-lt"/>
                 <a:ea typeface="Arial"/>
                 <a:cs typeface="Times New Roman" panose="02020603050405020304" pitchFamily="18" charset="0"/>
                 <a:sym typeface="Arial"/>
@@ -7072,7 +7059,7 @@
             </a:pPr>
             <a:r>
               <a:rPr lang="en" dirty="0">
-                <a:latin typeface="Times New Roman" panose="02020603050405020304" pitchFamily="18" charset="0"/>
+                <a:latin typeface="+mj-lt"/>
                 <a:ea typeface="Arial"/>
                 <a:cs typeface="Times New Roman" panose="02020603050405020304" pitchFamily="18" charset="0"/>
                 <a:sym typeface="Arial"/>
@@ -7088,7 +7075,7 @@
             </a:pPr>
             <a:r>
               <a:rPr lang="en" dirty="0">
-                <a:latin typeface="Times New Roman" panose="02020603050405020304" pitchFamily="18" charset="0"/>
+                <a:latin typeface="+mj-lt"/>
                 <a:ea typeface="Arial"/>
                 <a:cs typeface="Times New Roman" panose="02020603050405020304" pitchFamily="18" charset="0"/>
                 <a:sym typeface="Arial"/>
@@ -7104,14 +7091,16 @@
             </a:pPr>
             <a:r>
               <a:rPr lang="en" dirty="0">
-                <a:latin typeface="Times New Roman" panose="02020603050405020304" pitchFamily="18" charset="0"/>
+                <a:latin typeface="+mj-lt"/>
                 <a:ea typeface="Arial"/>
                 <a:cs typeface="Times New Roman" panose="02020603050405020304" pitchFamily="18" charset="0"/>
                 <a:sym typeface="Arial"/>
               </a:rPr>
               <a:t>GND GND 3.3V 7</a:t>
             </a:r>
-            <a:endParaRPr lang="ru-RU" dirty="0"/>
+            <a:endParaRPr lang="ru-RU" dirty="0">
+              <a:latin typeface="+mj-lt"/>
+            </a:endParaRPr>
           </a:p>
         </p:txBody>
       </p:sp>
@@ -7469,34 +7458,29 @@
           <a:p>
             <a:r>
               <a:rPr lang="ru-RU" sz="2000" dirty="0">
-                <a:latin typeface="Times New Roman" panose="02020603050405020304" pitchFamily="18" charset="0"/>
                 <a:cs typeface="Times New Roman" panose="02020603050405020304" pitchFamily="18" charset="0"/>
               </a:rPr>
               <a:t>&lt;</a:t>
             </a:r>
             <a:r>
               <a:rPr lang="en" sz="2000" dirty="0">
-                <a:latin typeface="Times New Roman" panose="02020603050405020304" pitchFamily="18" charset="0"/>
                 <a:cs typeface="Times New Roman" panose="02020603050405020304" pitchFamily="18" charset="0"/>
               </a:rPr>
               <a:t>Adafruit_PCD8544.h&gt;</a:t>
             </a:r>
             <a:r>
               <a:rPr lang="ru-RU" sz="2000" dirty="0">
-                <a:latin typeface="Times New Roman" panose="02020603050405020304" pitchFamily="18" charset="0"/>
                 <a:cs typeface="Times New Roman" panose="02020603050405020304" pitchFamily="18" charset="0"/>
               </a:rPr>
               <a:t> </a:t>
             </a:r>
             <a:br>
               <a:rPr lang="ru-RU" sz="2000" dirty="0">
-                <a:latin typeface="Times New Roman" panose="02020603050405020304" pitchFamily="18" charset="0"/>
                 <a:cs typeface="Times New Roman" panose="02020603050405020304" pitchFamily="18" charset="0"/>
               </a:rPr>
             </a:br>
             <a:r>
               <a:rPr lang="ru-RU" sz="2000" dirty="0">
-                <a:latin typeface="Times New Roman" panose="02020603050405020304" pitchFamily="18" charset="0"/>
                 <a:cs typeface="Times New Roman" panose="02020603050405020304" pitchFamily="18" charset="0"/>
               </a:rPr>
               <a:t>библиотека для работы с дисплеем</a:t>
@@ -7505,27 +7489,23 @@
           <a:p>
             <a:r>
               <a:rPr lang="ru-RU" sz="2000" dirty="0">
-                <a:latin typeface="Times New Roman" panose="02020603050405020304" pitchFamily="18" charset="0"/>
                 <a:cs typeface="Times New Roman" panose="02020603050405020304" pitchFamily="18" charset="0"/>
               </a:rPr>
               <a:t>&lt;</a:t>
             </a:r>
             <a:r>
               <a:rPr lang="en" sz="2000" dirty="0">
-                <a:latin typeface="Times New Roman" panose="02020603050405020304" pitchFamily="18" charset="0"/>
                 <a:cs typeface="Times New Roman" panose="02020603050405020304" pitchFamily="18" charset="0"/>
               </a:rPr>
               <a:t>EEPROM.h&gt;</a:t>
             </a:r>
             <a:br>
               <a:rPr lang="ru-RU" dirty="0">
-                <a:latin typeface="Times New Roman" panose="02020603050405020304" pitchFamily="18" charset="0"/>
                 <a:cs typeface="Times New Roman" panose="02020603050405020304" pitchFamily="18" charset="0"/>
               </a:rPr>
             </a:br>
             <a:r>
               <a:rPr lang="ru-RU" dirty="0">
-                <a:latin typeface="Times New Roman" panose="02020603050405020304" pitchFamily="18" charset="0"/>
                 <a:cs typeface="Times New Roman" panose="02020603050405020304" pitchFamily="18" charset="0"/>
               </a:rPr>
               <a:t>библиотека для использования настроек без перезагрузки</a:t>
